--- a/Философия/Выступление/Презентация Фейзуллин М8О-104А-23.pptx
+++ b/Философия/Выступление/Презентация Фейзуллин М8О-104А-23.pptx
@@ -5,7 +5,7 @@
     <p:sldMasterId id="2147483648" r:id="rId1"/>
   </p:sldMasterIdLst>
   <p:notesMasterIdLst>
-    <p:notesMasterId r:id="rId10"/>
+    <p:notesMasterId r:id="rId12"/>
   </p:notesMasterIdLst>
   <p:sldIdLst>
     <p:sldId id="257" r:id="rId2"/>
@@ -14,8 +14,10 @@
     <p:sldId id="326" r:id="rId5"/>
     <p:sldId id="327" r:id="rId6"/>
     <p:sldId id="328" r:id="rId7"/>
-    <p:sldId id="324" r:id="rId8"/>
-    <p:sldId id="325" r:id="rId9"/>
+    <p:sldId id="329" r:id="rId8"/>
+    <p:sldId id="330" r:id="rId9"/>
+    <p:sldId id="324" r:id="rId10"/>
+    <p:sldId id="325" r:id="rId11"/>
   </p:sldIdLst>
   <p:sldSz cx="12192000" cy="6858000"/>
   <p:notesSz cx="6858000" cy="9144000"/>
@@ -204,7 +206,7 @@
           <a:p>
             <a:fld id="{8B82A444-7A35-48DA-B328-982FA082261C}" type="datetimeFigureOut">
               <a:rPr lang="ru-RU" smtClean="0"/>
-              <a:t>09.12.2023</a:t>
+              <a:t>10.12.2023</a:t>
             </a:fld>
             <a:endParaRPr lang="ru-RU"/>
           </a:p>
@@ -724,7 +726,7 @@
           <a:p>
             <a:fld id="{CE67568C-EEB0-4DC9-AE5A-BF4C8292B1DF}" type="datetime1">
               <a:rPr lang="ru-RU" smtClean="0"/>
-              <a:t>09.12.2023</a:t>
+              <a:t>10.12.2023</a:t>
             </a:fld>
             <a:endParaRPr lang="ru-RU"/>
           </a:p>
@@ -922,7 +924,7 @@
           <a:p>
             <a:fld id="{C4BCE22F-461D-4E3B-B90B-D4C17BCF6E04}" type="datetime1">
               <a:rPr lang="ru-RU" smtClean="0"/>
-              <a:t>09.12.2023</a:t>
+              <a:t>10.12.2023</a:t>
             </a:fld>
             <a:endParaRPr lang="ru-RU"/>
           </a:p>
@@ -1130,7 +1132,7 @@
           <a:p>
             <a:fld id="{028FC9C9-A8BF-46D2-98A4-CE15F9706EAE}" type="datetime1">
               <a:rPr lang="ru-RU" smtClean="0"/>
-              <a:t>09.12.2023</a:t>
+              <a:t>10.12.2023</a:t>
             </a:fld>
             <a:endParaRPr lang="ru-RU"/>
           </a:p>
@@ -1328,7 +1330,7 @@
           <a:p>
             <a:fld id="{770671C5-343A-4A74-90BB-AB4D9057279E}" type="datetime1">
               <a:rPr lang="ru-RU" smtClean="0"/>
-              <a:t>09.12.2023</a:t>
+              <a:t>10.12.2023</a:t>
             </a:fld>
             <a:endParaRPr lang="ru-RU"/>
           </a:p>
@@ -1603,7 +1605,7 @@
           <a:p>
             <a:fld id="{28B5E58E-4B59-4D10-9A36-7ED0BF0785C6}" type="datetime1">
               <a:rPr lang="ru-RU" smtClean="0"/>
-              <a:t>09.12.2023</a:t>
+              <a:t>10.12.2023</a:t>
             </a:fld>
             <a:endParaRPr lang="ru-RU"/>
           </a:p>
@@ -1868,7 +1870,7 @@
           <a:p>
             <a:fld id="{DC25EC56-5D0F-4611-9C3E-3F31AA54334B}" type="datetime1">
               <a:rPr lang="ru-RU" smtClean="0"/>
-              <a:t>09.12.2023</a:t>
+              <a:t>10.12.2023</a:t>
             </a:fld>
             <a:endParaRPr lang="ru-RU"/>
           </a:p>
@@ -2280,7 +2282,7 @@
           <a:p>
             <a:fld id="{ED8BC0DC-C970-4224-9EFA-620AE9FAD989}" type="datetime1">
               <a:rPr lang="ru-RU" smtClean="0"/>
-              <a:t>09.12.2023</a:t>
+              <a:t>10.12.2023</a:t>
             </a:fld>
             <a:endParaRPr lang="ru-RU"/>
           </a:p>
@@ -2421,7 +2423,7 @@
           <a:p>
             <a:fld id="{6844A4C7-31A3-4CCF-A082-0BC587FAFA97}" type="datetime1">
               <a:rPr lang="ru-RU" smtClean="0"/>
-              <a:t>09.12.2023</a:t>
+              <a:t>10.12.2023</a:t>
             </a:fld>
             <a:endParaRPr lang="ru-RU"/>
           </a:p>
@@ -2534,7 +2536,7 @@
           <a:p>
             <a:fld id="{F2B5C3C2-8785-490F-A029-E7A1F5933CCC}" type="datetime1">
               <a:rPr lang="ru-RU" smtClean="0"/>
-              <a:t>09.12.2023</a:t>
+              <a:t>10.12.2023</a:t>
             </a:fld>
             <a:endParaRPr lang="ru-RU"/>
           </a:p>
@@ -2845,7 +2847,7 @@
           <a:p>
             <a:fld id="{DC305C70-E31D-40A7-AB55-3CC66D2EF180}" type="datetime1">
               <a:rPr lang="ru-RU" smtClean="0"/>
-              <a:t>09.12.2023</a:t>
+              <a:t>10.12.2023</a:t>
             </a:fld>
             <a:endParaRPr lang="ru-RU"/>
           </a:p>
@@ -3133,7 +3135,7 @@
           <a:p>
             <a:fld id="{36E32BBB-8024-4478-85B9-8FD1214F01FB}" type="datetime1">
               <a:rPr lang="ru-RU" smtClean="0"/>
-              <a:t>09.12.2023</a:t>
+              <a:t>10.12.2023</a:t>
             </a:fld>
             <a:endParaRPr lang="ru-RU"/>
           </a:p>
@@ -3374,7 +3376,7 @@
           <a:p>
             <a:fld id="{4AE75D13-07A0-4EE3-BCA2-6F181395B3CF}" type="datetime1">
               <a:rPr lang="ru-RU" smtClean="0"/>
-              <a:t>09.12.2023</a:t>
+              <a:t>10.12.2023</a:t>
             </a:fld>
             <a:endParaRPr lang="ru-RU"/>
           </a:p>
@@ -4566,6 +4568,73 @@
 </p:sld>
 </file>
 
+<file path=ppt/slides/slide10.xml><?xml version="1.0" encoding="utf-8"?>
+<p:sld xmlns:a="http://schemas.openxmlformats.org/drawingml/2006/main" xmlns:r="http://schemas.openxmlformats.org/officeDocument/2006/relationships" xmlns:p="http://schemas.openxmlformats.org/presentationml/2006/main">
+  <p:cSld>
+    <p:spTree>
+      <p:nvGrpSpPr>
+        <p:cNvPr id="1" name=""/>
+        <p:cNvGrpSpPr/>
+        <p:nvPr/>
+      </p:nvGrpSpPr>
+      <p:grpSpPr>
+        <a:xfrm>
+          <a:off x="0" y="0"/>
+          <a:ext cx="0" cy="0"/>
+          <a:chOff x="0" y="0"/>
+          <a:chExt cx="0" cy="0"/>
+        </a:xfrm>
+      </p:grpSpPr>
+      <p:sp>
+        <p:nvSpPr>
+          <p:cNvPr id="2" name="Заголовок 1">
+            <a:extLst>
+              <a:ext uri="{FF2B5EF4-FFF2-40B4-BE49-F238E27FC236}">
+                <a16:creationId xmlns:a16="http://schemas.microsoft.com/office/drawing/2014/main" id="{6BFE0A30-4D38-85F2-D995-15FB88B9C96C}"/>
+              </a:ext>
+            </a:extLst>
+          </p:cNvPr>
+          <p:cNvSpPr>
+            <a:spLocks noGrp="1"/>
+          </p:cNvSpPr>
+          <p:nvPr>
+            <p:ph type="title"/>
+          </p:nvPr>
+        </p:nvSpPr>
+        <p:spPr>
+          <a:xfrm>
+            <a:off x="908538" y="2615956"/>
+            <a:ext cx="10515600" cy="1325563"/>
+          </a:xfrm>
+        </p:spPr>
+        <p:txBody>
+          <a:bodyPr/>
+          <a:lstStyle/>
+          <a:p>
+            <a:pPr algn="ctr"/>
+            <a:r>
+              <a:rPr lang="ru-RU" dirty="0">
+                <a:latin typeface="Times New Roman" panose="02020603050405020304" pitchFamily="18" charset="0"/>
+                <a:cs typeface="Times New Roman" panose="02020603050405020304" pitchFamily="18" charset="0"/>
+              </a:rPr>
+              <a:t>Спасибо за внимание !</a:t>
+            </a:r>
+          </a:p>
+        </p:txBody>
+      </p:sp>
+    </p:spTree>
+    <p:extLst>
+      <p:ext uri="{BB962C8B-B14F-4D97-AF65-F5344CB8AC3E}">
+        <p14:creationId xmlns:p14="http://schemas.microsoft.com/office/powerpoint/2010/main" val="1726137589"/>
+      </p:ext>
+    </p:extLst>
+  </p:cSld>
+  <p:clrMapOvr>
+    <a:masterClrMapping/>
+  </p:clrMapOvr>
+</p:sld>
+</file>
+
 <file path=ppt/slides/slide2.xml><?xml version="1.0" encoding="utf-8"?>
 <p:sld xmlns:a="http://schemas.openxmlformats.org/drawingml/2006/main" xmlns:r="http://schemas.openxmlformats.org/officeDocument/2006/relationships" xmlns:p="http://schemas.openxmlformats.org/presentationml/2006/main">
   <p:cSld>
@@ -5820,7 +5889,7 @@
           <p:cNvPr id="2" name="Заголовок 1">
             <a:extLst>
               <a:ext uri="{FF2B5EF4-FFF2-40B4-BE49-F238E27FC236}">
-                <a16:creationId xmlns:a16="http://schemas.microsoft.com/office/drawing/2014/main" id="{CB7CDD7E-E1F1-F205-EB73-5EC1B83642EB}"/>
+                <a16:creationId xmlns:a16="http://schemas.microsoft.com/office/drawing/2014/main" id="{F46428F3-7507-69D5-ADF6-5C1267E63071}"/>
               </a:ext>
             </a:extLst>
           </p:cNvPr>
@@ -5831,27 +5900,82 @@
             <p:ph type="title"/>
           </p:nvPr>
         </p:nvSpPr>
-        <p:spPr/>
+        <p:spPr>
+          <a:xfrm>
+            <a:off x="839788" y="457200"/>
+            <a:ext cx="10426627" cy="531812"/>
+          </a:xfrm>
+        </p:spPr>
         <p:txBody>
           <a:bodyPr/>
           <a:lstStyle/>
           <a:p>
             <a:r>
-              <a:rPr lang="ru-RU" dirty="0">
+              <a:rPr lang="ru-RU" dirty="0"/>
+              <a:t>Понятие собственности в философии – И.А. Ильин</a:t>
+            </a:r>
+          </a:p>
+        </p:txBody>
+      </p:sp>
+      <p:sp>
+        <p:nvSpPr>
+          <p:cNvPr id="4" name="Текст 3">
+            <a:extLst>
+              <a:ext uri="{FF2B5EF4-FFF2-40B4-BE49-F238E27FC236}">
+                <a16:creationId xmlns:a16="http://schemas.microsoft.com/office/drawing/2014/main" id="{EC0A738D-C4CB-ED0F-23C9-E7E9771516E2}"/>
+              </a:ext>
+            </a:extLst>
+          </p:cNvPr>
+          <p:cNvSpPr>
+            <a:spLocks noGrp="1"/>
+          </p:cNvSpPr>
+          <p:nvPr>
+            <p:ph type="body" sz="half" idx="2"/>
+          </p:nvPr>
+        </p:nvSpPr>
+        <p:spPr>
+          <a:xfrm>
+            <a:off x="839788" y="989012"/>
+            <a:ext cx="6215353" cy="4879976"/>
+          </a:xfrm>
+        </p:spPr>
+        <p:txBody>
+          <a:bodyPr>
+            <a:normAutofit/>
+          </a:bodyPr>
+          <a:lstStyle/>
+          <a:p>
+            <a:pPr algn="just"/>
+            <a:r>
+              <a:rPr lang="ru-RU" sz="2000" dirty="0">
                 <a:latin typeface="Times New Roman" panose="02020603050405020304" pitchFamily="18" charset="0"/>
                 <a:cs typeface="Times New Roman" panose="02020603050405020304" pitchFamily="18" charset="0"/>
               </a:rPr>
-              <a:t>Выводы</a:t>
-            </a:r>
-          </a:p>
-        </p:txBody>
-      </p:sp>
-      <p:sp>
-        <p:nvSpPr>
-          <p:cNvPr id="4" name="Номер слайда 3">
-            <a:extLst>
-              <a:ext uri="{FF2B5EF4-FFF2-40B4-BE49-F238E27FC236}">
-                <a16:creationId xmlns:a16="http://schemas.microsoft.com/office/drawing/2014/main" id="{CE52B047-EF3A-1656-1980-42A1D1F09BBE}"/>
+              <a:t>Иван Александрович Ильин выступал защитником частной собственности</a:t>
+            </a:r>
+            <a:r>
+              <a:rPr lang="en-US" sz="2000" dirty="0">
+                <a:latin typeface="Times New Roman" panose="02020603050405020304" pitchFamily="18" charset="0"/>
+                <a:cs typeface="Times New Roman" panose="02020603050405020304" pitchFamily="18" charset="0"/>
+              </a:rPr>
+              <a:t>: </a:t>
+            </a:r>
+            <a:r>
+              <a:rPr lang="ru-RU" sz="2000" dirty="0">
+                <a:latin typeface="Times New Roman" panose="02020603050405020304" pitchFamily="18" charset="0"/>
+                <a:cs typeface="Times New Roman" panose="02020603050405020304" pitchFamily="18" charset="0"/>
+              </a:rPr>
+              <a:t>для него она является системообразующим элементом гражданского общества, пробуждает и воспитывает в человеке правосознание и приучает его к гражданскому правопорядку. Основания частной собственности он обнаруживает прежде всего на уровне отдельного индивида, рассматривая ее как способ бытия человека, «который дан человеку от природы. Она идет навстречу инстинктивной и духовной жизни человека, удовлетворяя ее естественное право на самодеятельность и самодостаточность». На уровне хозяйства частная собственность развивает хозяйственную предприимчивость и личную инициативу и тем самым укрепляет характер</a:t>
+            </a:r>
+          </a:p>
+        </p:txBody>
+      </p:sp>
+      <p:sp>
+        <p:nvSpPr>
+          <p:cNvPr id="5" name="Номер слайда 4">
+            <a:extLst>
+              <a:ext uri="{FF2B5EF4-FFF2-40B4-BE49-F238E27FC236}">
+                <a16:creationId xmlns:a16="http://schemas.microsoft.com/office/drawing/2014/main" id="{B01FBAAB-357D-D3A5-1B7E-534B5F525DBD}"/>
               </a:ext>
             </a:extLst>
           </p:cNvPr>
@@ -5868,42 +5992,53 @@
           <a:lstStyle/>
           <a:p>
             <a:fld id="{DD52A6CB-90DA-4351-BF49-99661FABD7B0}" type="slidenum">
-              <a:rPr lang="ru-RU" sz="2000" smtClean="0"/>
+              <a:rPr lang="ru-RU" smtClean="0"/>
               <a:t>7</a:t>
             </a:fld>
-            <a:endParaRPr lang="ru-RU" sz="2000" dirty="0"/>
-          </a:p>
-        </p:txBody>
-      </p:sp>
-      <p:sp>
-        <p:nvSpPr>
-          <p:cNvPr id="6" name="Объект 5">
-            <a:extLst>
-              <a:ext uri="{FF2B5EF4-FFF2-40B4-BE49-F238E27FC236}">
-                <a16:creationId xmlns:a16="http://schemas.microsoft.com/office/drawing/2014/main" id="{7D7FC26D-3262-C6E2-8B98-245C7C2D378A}"/>
-              </a:ext>
-            </a:extLst>
-          </p:cNvPr>
-          <p:cNvSpPr>
-            <a:spLocks noGrp="1"/>
-          </p:cNvSpPr>
-          <p:nvPr>
-            <p:ph idx="1"/>
-          </p:nvPr>
-        </p:nvSpPr>
-        <p:spPr/>
-        <p:txBody>
-          <a:bodyPr/>
-          <a:lstStyle/>
-          <a:p>
             <a:endParaRPr lang="ru-RU"/>
           </a:p>
         </p:txBody>
       </p:sp>
+      <p:pic>
+        <p:nvPicPr>
+          <p:cNvPr id="6" name="Рисунок 5">
+            <a:extLst>
+              <a:ext uri="{FF2B5EF4-FFF2-40B4-BE49-F238E27FC236}">
+                <a16:creationId xmlns:a16="http://schemas.microsoft.com/office/drawing/2014/main" id="{3C3CB03F-1FBB-BC63-5F85-168D5167C3EE}"/>
+              </a:ext>
+            </a:extLst>
+          </p:cNvPr>
+          <p:cNvPicPr>
+            <a:picLocks noChangeAspect="1"/>
+          </p:cNvPicPr>
+          <p:nvPr/>
+        </p:nvPicPr>
+        <p:blipFill>
+          <a:blip r:embed="rId2">
+            <a:extLst>
+              <a:ext uri="{28A0092B-C50C-407E-A947-70E740481C1C}">
+                <a14:useLocalDpi xmlns:a14="http://schemas.microsoft.com/office/drawing/2010/main" val="0"/>
+              </a:ext>
+            </a:extLst>
+          </a:blip>
+          <a:stretch>
+            <a:fillRect/>
+          </a:stretch>
+        </p:blipFill>
+        <p:spPr>
+          <a:xfrm>
+            <a:off x="7167969" y="1520824"/>
+            <a:ext cx="4885540" cy="3259723"/>
+          </a:xfrm>
+          <a:prstGeom prst="rect">
+            <a:avLst/>
+          </a:prstGeom>
+        </p:spPr>
+      </p:pic>
     </p:spTree>
     <p:extLst>
       <p:ext uri="{BB962C8B-B14F-4D97-AF65-F5344CB8AC3E}">
-        <p14:creationId xmlns:p14="http://schemas.microsoft.com/office/powerpoint/2010/main" val="879443761"/>
+        <p14:creationId xmlns:p14="http://schemas.microsoft.com/office/powerpoint/2010/main" val="582988647"/>
       </p:ext>
     </p:extLst>
   </p:cSld>
@@ -5935,7 +6070,7 @@
           <p:cNvPr id="2" name="Заголовок 1">
             <a:extLst>
               <a:ext uri="{FF2B5EF4-FFF2-40B4-BE49-F238E27FC236}">
-                <a16:creationId xmlns:a16="http://schemas.microsoft.com/office/drawing/2014/main" id="{6BFE0A30-4D38-85F2-D995-15FB88B9C96C}"/>
+                <a16:creationId xmlns:a16="http://schemas.microsoft.com/office/drawing/2014/main" id="{F46428F3-7507-69D5-ADF6-5C1267E63071}"/>
               </a:ext>
             </a:extLst>
           </p:cNvPr>
@@ -5948,29 +6083,222 @@
         </p:nvSpPr>
         <p:spPr>
           <a:xfrm>
-            <a:off x="908538" y="2615956"/>
-            <a:ext cx="10515600" cy="1325563"/>
+            <a:off x="839788" y="457200"/>
+            <a:ext cx="10426627" cy="531812"/>
           </a:xfrm>
         </p:spPr>
         <p:txBody>
           <a:bodyPr/>
           <a:lstStyle/>
           <a:p>
-            <a:pPr algn="ctr"/>
+            <a:r>
+              <a:rPr lang="ru-RU" dirty="0"/>
+              <a:t>Понятие собственности в философии – С.Н. Булгакова</a:t>
+            </a:r>
+          </a:p>
+        </p:txBody>
+      </p:sp>
+      <p:sp>
+        <p:nvSpPr>
+          <p:cNvPr id="4" name="Текст 3">
+            <a:extLst>
+              <a:ext uri="{FF2B5EF4-FFF2-40B4-BE49-F238E27FC236}">
+                <a16:creationId xmlns:a16="http://schemas.microsoft.com/office/drawing/2014/main" id="{EC0A738D-C4CB-ED0F-23C9-E7E9771516E2}"/>
+              </a:ext>
+            </a:extLst>
+          </p:cNvPr>
+          <p:cNvSpPr>
+            <a:spLocks noGrp="1"/>
+          </p:cNvSpPr>
+          <p:nvPr>
+            <p:ph type="body" sz="half" idx="2"/>
+          </p:nvPr>
+        </p:nvSpPr>
+        <p:spPr>
+          <a:xfrm>
+            <a:off x="839788" y="989012"/>
+            <a:ext cx="6215353" cy="4879976"/>
+          </a:xfrm>
+        </p:spPr>
+        <p:txBody>
+          <a:bodyPr>
+            <a:normAutofit/>
+          </a:bodyPr>
+          <a:lstStyle/>
+          <a:p>
+            <a:pPr algn="just"/>
             <a:r>
               <a:rPr lang="ru-RU" dirty="0">
                 <a:latin typeface="Times New Roman" panose="02020603050405020304" pitchFamily="18" charset="0"/>
                 <a:cs typeface="Times New Roman" panose="02020603050405020304" pitchFamily="18" charset="0"/>
               </a:rPr>
-              <a:t>Спасибо за внимание !</a:t>
-            </a:r>
+              <a:t>Сергей Николаевич Булгаков – родоначальник философии хозяйства, проблема собственности проходит трансформацию от социально – экономического ее понимания до этического и религиозного. Так, в работе «Христианский социализм» он связывает возможность осуществления нравственных отношений через переосмысленное содержание собственности</a:t>
+            </a:r>
+            <a:r>
+              <a:rPr lang="en-US" dirty="0">
+                <a:latin typeface="Times New Roman" panose="02020603050405020304" pitchFamily="18" charset="0"/>
+                <a:cs typeface="Times New Roman" panose="02020603050405020304" pitchFamily="18" charset="0"/>
+              </a:rPr>
+              <a:t>: </a:t>
+            </a:r>
+            <a:r>
+              <a:rPr lang="ru-RU" dirty="0">
+                <a:latin typeface="Times New Roman" panose="02020603050405020304" pitchFamily="18" charset="0"/>
+                <a:cs typeface="Times New Roman" panose="02020603050405020304" pitchFamily="18" charset="0"/>
+              </a:rPr>
+              <a:t>«Если надлежащим образом понять значение собственности… то она есть столько же право, сколько и обязанность… Собственность налагает перед обществом серьезные и ответственные обязанности на тех, кому она досталась»</a:t>
+            </a:r>
+          </a:p>
+        </p:txBody>
+      </p:sp>
+      <p:sp>
+        <p:nvSpPr>
+          <p:cNvPr id="5" name="Номер слайда 4">
+            <a:extLst>
+              <a:ext uri="{FF2B5EF4-FFF2-40B4-BE49-F238E27FC236}">
+                <a16:creationId xmlns:a16="http://schemas.microsoft.com/office/drawing/2014/main" id="{B01FBAAB-357D-D3A5-1B7E-534B5F525DBD}"/>
+              </a:ext>
+            </a:extLst>
+          </p:cNvPr>
+          <p:cNvSpPr>
+            <a:spLocks noGrp="1"/>
+          </p:cNvSpPr>
+          <p:nvPr>
+            <p:ph type="sldNum" sz="quarter" idx="12"/>
+          </p:nvPr>
+        </p:nvSpPr>
+        <p:spPr/>
+        <p:txBody>
+          <a:bodyPr/>
+          <a:lstStyle/>
+          <a:p>
+            <a:fld id="{DD52A6CB-90DA-4351-BF49-99661FABD7B0}" type="slidenum">
+              <a:rPr lang="ru-RU" smtClean="0"/>
+              <a:t>8</a:t>
+            </a:fld>
+            <a:endParaRPr lang="ru-RU"/>
           </a:p>
         </p:txBody>
       </p:sp>
     </p:spTree>
     <p:extLst>
       <p:ext uri="{BB962C8B-B14F-4D97-AF65-F5344CB8AC3E}">
-        <p14:creationId xmlns:p14="http://schemas.microsoft.com/office/powerpoint/2010/main" val="1726137589"/>
+        <p14:creationId xmlns:p14="http://schemas.microsoft.com/office/powerpoint/2010/main" val="3270929263"/>
+      </p:ext>
+    </p:extLst>
+  </p:cSld>
+  <p:clrMapOvr>
+    <a:masterClrMapping/>
+  </p:clrMapOvr>
+</p:sld>
+</file>
+
+<file path=ppt/slides/slide9.xml><?xml version="1.0" encoding="utf-8"?>
+<p:sld xmlns:a="http://schemas.openxmlformats.org/drawingml/2006/main" xmlns:r="http://schemas.openxmlformats.org/officeDocument/2006/relationships" xmlns:p="http://schemas.openxmlformats.org/presentationml/2006/main">
+  <p:cSld>
+    <p:spTree>
+      <p:nvGrpSpPr>
+        <p:cNvPr id="1" name=""/>
+        <p:cNvGrpSpPr/>
+        <p:nvPr/>
+      </p:nvGrpSpPr>
+      <p:grpSpPr>
+        <a:xfrm>
+          <a:off x="0" y="0"/>
+          <a:ext cx="0" cy="0"/>
+          <a:chOff x="0" y="0"/>
+          <a:chExt cx="0" cy="0"/>
+        </a:xfrm>
+      </p:grpSpPr>
+      <p:sp>
+        <p:nvSpPr>
+          <p:cNvPr id="2" name="Заголовок 1">
+            <a:extLst>
+              <a:ext uri="{FF2B5EF4-FFF2-40B4-BE49-F238E27FC236}">
+                <a16:creationId xmlns:a16="http://schemas.microsoft.com/office/drawing/2014/main" id="{CB7CDD7E-E1F1-F205-EB73-5EC1B83642EB}"/>
+              </a:ext>
+            </a:extLst>
+          </p:cNvPr>
+          <p:cNvSpPr>
+            <a:spLocks noGrp="1"/>
+          </p:cNvSpPr>
+          <p:nvPr>
+            <p:ph type="title"/>
+          </p:nvPr>
+        </p:nvSpPr>
+        <p:spPr/>
+        <p:txBody>
+          <a:bodyPr/>
+          <a:lstStyle/>
+          <a:p>
+            <a:r>
+              <a:rPr lang="ru-RU" dirty="0">
+                <a:latin typeface="Times New Roman" panose="02020603050405020304" pitchFamily="18" charset="0"/>
+                <a:cs typeface="Times New Roman" panose="02020603050405020304" pitchFamily="18" charset="0"/>
+              </a:rPr>
+              <a:t>Выводы</a:t>
+            </a:r>
+          </a:p>
+        </p:txBody>
+      </p:sp>
+      <p:sp>
+        <p:nvSpPr>
+          <p:cNvPr id="4" name="Номер слайда 3">
+            <a:extLst>
+              <a:ext uri="{FF2B5EF4-FFF2-40B4-BE49-F238E27FC236}">
+                <a16:creationId xmlns:a16="http://schemas.microsoft.com/office/drawing/2014/main" id="{CE52B047-EF3A-1656-1980-42A1D1F09BBE}"/>
+              </a:ext>
+            </a:extLst>
+          </p:cNvPr>
+          <p:cNvSpPr>
+            <a:spLocks noGrp="1"/>
+          </p:cNvSpPr>
+          <p:nvPr>
+            <p:ph type="sldNum" sz="quarter" idx="12"/>
+          </p:nvPr>
+        </p:nvSpPr>
+        <p:spPr/>
+        <p:txBody>
+          <a:bodyPr/>
+          <a:lstStyle/>
+          <a:p>
+            <a:fld id="{DD52A6CB-90DA-4351-BF49-99661FABD7B0}" type="slidenum">
+              <a:rPr lang="ru-RU" sz="2000" smtClean="0"/>
+              <a:t>9</a:t>
+            </a:fld>
+            <a:endParaRPr lang="ru-RU" sz="2000" dirty="0"/>
+          </a:p>
+        </p:txBody>
+      </p:sp>
+      <p:sp>
+        <p:nvSpPr>
+          <p:cNvPr id="6" name="Объект 5">
+            <a:extLst>
+              <a:ext uri="{FF2B5EF4-FFF2-40B4-BE49-F238E27FC236}">
+                <a16:creationId xmlns:a16="http://schemas.microsoft.com/office/drawing/2014/main" id="{7D7FC26D-3262-C6E2-8B98-245C7C2D378A}"/>
+              </a:ext>
+            </a:extLst>
+          </p:cNvPr>
+          <p:cNvSpPr>
+            <a:spLocks noGrp="1"/>
+          </p:cNvSpPr>
+          <p:nvPr>
+            <p:ph idx="1"/>
+          </p:nvPr>
+        </p:nvSpPr>
+        <p:spPr/>
+        <p:txBody>
+          <a:bodyPr/>
+          <a:lstStyle/>
+          <a:p>
+            <a:endParaRPr lang="ru-RU"/>
+          </a:p>
+        </p:txBody>
+      </p:sp>
+    </p:spTree>
+    <p:extLst>
+      <p:ext uri="{BB962C8B-B14F-4D97-AF65-F5344CB8AC3E}">
+        <p14:creationId xmlns:p14="http://schemas.microsoft.com/office/powerpoint/2010/main" val="879443761"/>
       </p:ext>
     </p:extLst>
   </p:cSld>

--- a/Философия/Выступление/Презентация Фейзуллин М8О-104А-23.pptx
+++ b/Философия/Выступление/Презентация Фейзуллин М8О-104А-23.pptx
@@ -5,7 +5,7 @@
     <p:sldMasterId id="2147483648" r:id="rId1"/>
   </p:sldMasterIdLst>
   <p:notesMasterIdLst>
-    <p:notesMasterId r:id="rId12"/>
+    <p:notesMasterId r:id="rId16"/>
   </p:notesMasterIdLst>
   <p:sldIdLst>
     <p:sldId id="257" r:id="rId2"/>
@@ -16,8 +16,12 @@
     <p:sldId id="328" r:id="rId7"/>
     <p:sldId id="329" r:id="rId8"/>
     <p:sldId id="330" r:id="rId9"/>
-    <p:sldId id="324" r:id="rId10"/>
-    <p:sldId id="325" r:id="rId11"/>
+    <p:sldId id="331" r:id="rId10"/>
+    <p:sldId id="332" r:id="rId11"/>
+    <p:sldId id="333" r:id="rId12"/>
+    <p:sldId id="334" r:id="rId13"/>
+    <p:sldId id="324" r:id="rId14"/>
+    <p:sldId id="325" r:id="rId15"/>
   </p:sldIdLst>
   <p:sldSz cx="12192000" cy="6858000"/>
   <p:notesSz cx="6858000" cy="9144000"/>
@@ -4590,6 +4594,714 @@
           <p:cNvPr id="2" name="Заголовок 1">
             <a:extLst>
               <a:ext uri="{FF2B5EF4-FFF2-40B4-BE49-F238E27FC236}">
+                <a16:creationId xmlns:a16="http://schemas.microsoft.com/office/drawing/2014/main" id="{F46428F3-7507-69D5-ADF6-5C1267E63071}"/>
+              </a:ext>
+            </a:extLst>
+          </p:cNvPr>
+          <p:cNvSpPr>
+            <a:spLocks noGrp="1"/>
+          </p:cNvSpPr>
+          <p:nvPr>
+            <p:ph type="title"/>
+          </p:nvPr>
+        </p:nvSpPr>
+        <p:spPr>
+          <a:xfrm>
+            <a:off x="839788" y="457200"/>
+            <a:ext cx="10426627" cy="531812"/>
+          </a:xfrm>
+        </p:spPr>
+        <p:txBody>
+          <a:bodyPr/>
+          <a:lstStyle/>
+          <a:p>
+            <a:r>
+              <a:rPr lang="ru-RU" dirty="0"/>
+              <a:t>Интеллектуальная собственность Аристотеля</a:t>
+            </a:r>
+          </a:p>
+        </p:txBody>
+      </p:sp>
+      <p:sp>
+        <p:nvSpPr>
+          <p:cNvPr id="4" name="Текст 3">
+            <a:extLst>
+              <a:ext uri="{FF2B5EF4-FFF2-40B4-BE49-F238E27FC236}">
+                <a16:creationId xmlns:a16="http://schemas.microsoft.com/office/drawing/2014/main" id="{EC0A738D-C4CB-ED0F-23C9-E7E9771516E2}"/>
+              </a:ext>
+            </a:extLst>
+          </p:cNvPr>
+          <p:cNvSpPr>
+            <a:spLocks noGrp="1"/>
+          </p:cNvSpPr>
+          <p:nvPr>
+            <p:ph type="body" sz="half" idx="2"/>
+          </p:nvPr>
+        </p:nvSpPr>
+        <p:spPr>
+          <a:xfrm>
+            <a:off x="839788" y="989012"/>
+            <a:ext cx="10786155" cy="4879976"/>
+          </a:xfrm>
+        </p:spPr>
+        <p:txBody>
+          <a:bodyPr>
+            <a:normAutofit/>
+          </a:bodyPr>
+          <a:lstStyle/>
+          <a:p>
+            <a:pPr algn="just"/>
+            <a:r>
+              <a:rPr lang="ru-RU" sz="2400" dirty="0">
+                <a:latin typeface="Times New Roman" panose="02020603050405020304" pitchFamily="18" charset="0"/>
+                <a:cs typeface="Times New Roman" panose="02020603050405020304" pitchFamily="18" charset="0"/>
+              </a:rPr>
+              <a:t>К</a:t>
+            </a:r>
+            <a:r>
+              <a:rPr lang="ru-RU" sz="2400" dirty="0">
+                <a:effectLst/>
+                <a:latin typeface="Times New Roman" panose="02020603050405020304" pitchFamily="18" charset="0"/>
+                <a:cs typeface="Times New Roman" panose="02020603050405020304" pitchFamily="18" charset="0"/>
+              </a:rPr>
+              <a:t>онцепция "</a:t>
+            </a:r>
+            <a:r>
+              <a:rPr lang="ru-RU" sz="2400" dirty="0" err="1">
+                <a:effectLst/>
+                <a:latin typeface="Times New Roman" panose="02020603050405020304" pitchFamily="18" charset="0"/>
+                <a:cs typeface="Times New Roman" panose="02020603050405020304" pitchFamily="18" charset="0"/>
+              </a:rPr>
+              <a:t>эвдемонии«Аристотеля</a:t>
+            </a:r>
+            <a:r>
+              <a:rPr lang="ru-RU" sz="2400" dirty="0">
+                <a:latin typeface="Times New Roman" panose="02020603050405020304" pitchFamily="18" charset="0"/>
+                <a:cs typeface="Times New Roman" panose="02020603050405020304" pitchFamily="18" charset="0"/>
+              </a:rPr>
+              <a:t> -</a:t>
+            </a:r>
+            <a:r>
+              <a:rPr lang="ru-RU" sz="2400" dirty="0">
+                <a:effectLst/>
+                <a:latin typeface="Times New Roman" panose="02020603050405020304" pitchFamily="18" charset="0"/>
+                <a:cs typeface="Times New Roman" panose="02020603050405020304" pitchFamily="18" charset="0"/>
+              </a:rPr>
+              <a:t> </a:t>
+            </a:r>
+            <a:r>
+              <a:rPr lang="ru-RU" sz="2400" dirty="0">
+                <a:latin typeface="Times New Roman" panose="02020603050405020304" pitchFamily="18" charset="0"/>
+                <a:cs typeface="Times New Roman" panose="02020603050405020304" pitchFamily="18" charset="0"/>
+              </a:rPr>
+              <a:t>в</a:t>
+            </a:r>
+            <a:r>
+              <a:rPr lang="ru-RU" sz="2400" dirty="0">
+                <a:effectLst/>
+                <a:latin typeface="Times New Roman" panose="02020603050405020304" pitchFamily="18" charset="0"/>
+                <a:cs typeface="Times New Roman" panose="02020603050405020304" pitchFamily="18" charset="0"/>
+              </a:rPr>
+              <a:t> своей "</a:t>
+            </a:r>
+            <a:r>
+              <a:rPr lang="ru-RU" sz="2400" dirty="0" err="1">
+                <a:effectLst/>
+                <a:latin typeface="Times New Roman" panose="02020603050405020304" pitchFamily="18" charset="0"/>
+                <a:cs typeface="Times New Roman" panose="02020603050405020304" pitchFamily="18" charset="0"/>
+              </a:rPr>
+              <a:t>Никомаховой</a:t>
+            </a:r>
+            <a:r>
+              <a:rPr lang="ru-RU" sz="2400" dirty="0">
+                <a:effectLst/>
+                <a:latin typeface="Times New Roman" panose="02020603050405020304" pitchFamily="18" charset="0"/>
+                <a:cs typeface="Times New Roman" panose="02020603050405020304" pitchFamily="18" charset="0"/>
+              </a:rPr>
+              <a:t> этике" Аристотель обсуждает концепцию </a:t>
+            </a:r>
+            <a:r>
+              <a:rPr lang="ru-RU" sz="2400" dirty="0" err="1">
+                <a:effectLst/>
+                <a:latin typeface="Times New Roman" panose="02020603050405020304" pitchFamily="18" charset="0"/>
+                <a:cs typeface="Times New Roman" panose="02020603050405020304" pitchFamily="18" charset="0"/>
+              </a:rPr>
+              <a:t>эвдемонии</a:t>
+            </a:r>
+            <a:r>
+              <a:rPr lang="ru-RU" sz="2400" dirty="0">
+                <a:effectLst/>
+                <a:latin typeface="Times New Roman" panose="02020603050405020304" pitchFamily="18" charset="0"/>
+                <a:cs typeface="Times New Roman" panose="02020603050405020304" pitchFamily="18" charset="0"/>
+              </a:rPr>
+              <a:t>, которая относится к жизни, характеризующейся счастьем, совершенством и самореализацией. Права интеллектуальной собственности можно рассматривать как средство достижения этой цели, позволяющее отдельным лицам контролировать свои творческие работы и изобретения и получать прибыль от них.</a:t>
+            </a:r>
+            <a:endParaRPr lang="ru-RU" sz="2400" dirty="0">
+              <a:latin typeface="Times New Roman" panose="02020603050405020304" pitchFamily="18" charset="0"/>
+              <a:cs typeface="Times New Roman" panose="02020603050405020304" pitchFamily="18" charset="0"/>
+            </a:endParaRPr>
+          </a:p>
+        </p:txBody>
+      </p:sp>
+      <p:sp>
+        <p:nvSpPr>
+          <p:cNvPr id="5" name="Номер слайда 4">
+            <a:extLst>
+              <a:ext uri="{FF2B5EF4-FFF2-40B4-BE49-F238E27FC236}">
+                <a16:creationId xmlns:a16="http://schemas.microsoft.com/office/drawing/2014/main" id="{B01FBAAB-357D-D3A5-1B7E-534B5F525DBD}"/>
+              </a:ext>
+            </a:extLst>
+          </p:cNvPr>
+          <p:cNvSpPr>
+            <a:spLocks noGrp="1"/>
+          </p:cNvSpPr>
+          <p:nvPr>
+            <p:ph type="sldNum" sz="quarter" idx="12"/>
+          </p:nvPr>
+        </p:nvSpPr>
+        <p:spPr/>
+        <p:txBody>
+          <a:bodyPr/>
+          <a:lstStyle/>
+          <a:p>
+            <a:fld id="{DD52A6CB-90DA-4351-BF49-99661FABD7B0}" type="slidenum">
+              <a:rPr lang="ru-RU" smtClean="0"/>
+              <a:t>10</a:t>
+            </a:fld>
+            <a:endParaRPr lang="ru-RU"/>
+          </a:p>
+        </p:txBody>
+      </p:sp>
+      <p:pic>
+        <p:nvPicPr>
+          <p:cNvPr id="7" name="Рисунок 6">
+            <a:extLst>
+              <a:ext uri="{FF2B5EF4-FFF2-40B4-BE49-F238E27FC236}">
+                <a16:creationId xmlns:a16="http://schemas.microsoft.com/office/drawing/2014/main" id="{64DFB996-D63E-FC8B-009A-895C025F4056}"/>
+              </a:ext>
+            </a:extLst>
+          </p:cNvPr>
+          <p:cNvPicPr>
+            <a:picLocks noChangeAspect="1"/>
+          </p:cNvPicPr>
+          <p:nvPr/>
+        </p:nvPicPr>
+        <p:blipFill>
+          <a:blip r:embed="rId2">
+            <a:extLst>
+              <a:ext uri="{28A0092B-C50C-407E-A947-70E740481C1C}">
+                <a14:useLocalDpi xmlns:a14="http://schemas.microsoft.com/office/drawing/2010/main" val="0"/>
+              </a:ext>
+            </a:extLst>
+          </a:blip>
+          <a:stretch>
+            <a:fillRect/>
+          </a:stretch>
+        </p:blipFill>
+        <p:spPr>
+          <a:xfrm>
+            <a:off x="2041071" y="3430133"/>
+            <a:ext cx="8109858" cy="3108779"/>
+          </a:xfrm>
+          <a:prstGeom prst="rect">
+            <a:avLst/>
+          </a:prstGeom>
+        </p:spPr>
+      </p:pic>
+    </p:spTree>
+    <p:extLst>
+      <p:ext uri="{BB962C8B-B14F-4D97-AF65-F5344CB8AC3E}">
+        <p14:creationId xmlns:p14="http://schemas.microsoft.com/office/powerpoint/2010/main" val="1826775961"/>
+      </p:ext>
+    </p:extLst>
+  </p:cSld>
+  <p:clrMapOvr>
+    <a:masterClrMapping/>
+  </p:clrMapOvr>
+</p:sld>
+</file>
+
+<file path=ppt/slides/slide11.xml><?xml version="1.0" encoding="utf-8"?>
+<p:sld xmlns:a="http://schemas.openxmlformats.org/drawingml/2006/main" xmlns:r="http://schemas.openxmlformats.org/officeDocument/2006/relationships" xmlns:p="http://schemas.openxmlformats.org/presentationml/2006/main">
+  <p:cSld>
+    <p:spTree>
+      <p:nvGrpSpPr>
+        <p:cNvPr id="1" name=""/>
+        <p:cNvGrpSpPr/>
+        <p:nvPr/>
+      </p:nvGrpSpPr>
+      <p:grpSpPr>
+        <a:xfrm>
+          <a:off x="0" y="0"/>
+          <a:ext cx="0" cy="0"/>
+          <a:chOff x="0" y="0"/>
+          <a:chExt cx="0" cy="0"/>
+        </a:xfrm>
+      </p:grpSpPr>
+      <p:sp>
+        <p:nvSpPr>
+          <p:cNvPr id="2" name="Заголовок 1">
+            <a:extLst>
+              <a:ext uri="{FF2B5EF4-FFF2-40B4-BE49-F238E27FC236}">
+                <a16:creationId xmlns:a16="http://schemas.microsoft.com/office/drawing/2014/main" id="{F46428F3-7507-69D5-ADF6-5C1267E63071}"/>
+              </a:ext>
+            </a:extLst>
+          </p:cNvPr>
+          <p:cNvSpPr>
+            <a:spLocks noGrp="1"/>
+          </p:cNvSpPr>
+          <p:nvPr>
+            <p:ph type="title"/>
+          </p:nvPr>
+        </p:nvSpPr>
+        <p:spPr>
+          <a:xfrm>
+            <a:off x="839788" y="457200"/>
+            <a:ext cx="10426627" cy="531812"/>
+          </a:xfrm>
+        </p:spPr>
+        <p:txBody>
+          <a:bodyPr/>
+          <a:lstStyle/>
+          <a:p>
+            <a:r>
+              <a:rPr lang="ru-RU" dirty="0"/>
+              <a:t>Интеллектуальная собственность Канта</a:t>
+            </a:r>
+          </a:p>
+        </p:txBody>
+      </p:sp>
+      <p:sp>
+        <p:nvSpPr>
+          <p:cNvPr id="4" name="Текст 3">
+            <a:extLst>
+              <a:ext uri="{FF2B5EF4-FFF2-40B4-BE49-F238E27FC236}">
+                <a16:creationId xmlns:a16="http://schemas.microsoft.com/office/drawing/2014/main" id="{EC0A738D-C4CB-ED0F-23C9-E7E9771516E2}"/>
+              </a:ext>
+            </a:extLst>
+          </p:cNvPr>
+          <p:cNvSpPr>
+            <a:spLocks noGrp="1"/>
+          </p:cNvSpPr>
+          <p:nvPr>
+            <p:ph type="body" sz="half" idx="2"/>
+          </p:nvPr>
+        </p:nvSpPr>
+        <p:spPr>
+          <a:xfrm>
+            <a:off x="4949372" y="989012"/>
+            <a:ext cx="6676571" cy="4879976"/>
+          </a:xfrm>
+        </p:spPr>
+        <p:txBody>
+          <a:bodyPr>
+            <a:normAutofit/>
+          </a:bodyPr>
+          <a:lstStyle/>
+          <a:p>
+            <a:pPr algn="just"/>
+            <a:r>
+              <a:rPr lang="ru-RU" sz="2400" dirty="0">
+                <a:effectLst/>
+                <a:latin typeface="Times New Roman" panose="02020603050405020304" pitchFamily="18" charset="0"/>
+                <a:cs typeface="Times New Roman" panose="02020603050405020304" pitchFamily="18" charset="0"/>
+              </a:rPr>
+              <a:t>Концепция "авторства" Иммануила Канта: В своей "Критике суждения" Кант утверждает, что художественное творчество предполагает уникальное сочетание воображения и понимания, в результате чего получается произведение, отражающее личный стиль и оригинальность художника. Эта идея получила дальнейшее развитие в современных теориях авторства и авторском праве, подчеркивающих важность защиты индивидуального творчества и самовыражения.</a:t>
+            </a:r>
+            <a:endParaRPr lang="ru-RU" sz="2400" dirty="0">
+              <a:latin typeface="Times New Roman" panose="02020603050405020304" pitchFamily="18" charset="0"/>
+              <a:cs typeface="Times New Roman" panose="02020603050405020304" pitchFamily="18" charset="0"/>
+            </a:endParaRPr>
+          </a:p>
+        </p:txBody>
+      </p:sp>
+      <p:sp>
+        <p:nvSpPr>
+          <p:cNvPr id="5" name="Номер слайда 4">
+            <a:extLst>
+              <a:ext uri="{FF2B5EF4-FFF2-40B4-BE49-F238E27FC236}">
+                <a16:creationId xmlns:a16="http://schemas.microsoft.com/office/drawing/2014/main" id="{B01FBAAB-357D-D3A5-1B7E-534B5F525DBD}"/>
+              </a:ext>
+            </a:extLst>
+          </p:cNvPr>
+          <p:cNvSpPr>
+            <a:spLocks noGrp="1"/>
+          </p:cNvSpPr>
+          <p:nvPr>
+            <p:ph type="sldNum" sz="quarter" idx="12"/>
+          </p:nvPr>
+        </p:nvSpPr>
+        <p:spPr/>
+        <p:txBody>
+          <a:bodyPr/>
+          <a:lstStyle/>
+          <a:p>
+            <a:fld id="{DD52A6CB-90DA-4351-BF49-99661FABD7B0}" type="slidenum">
+              <a:rPr lang="ru-RU" smtClean="0"/>
+              <a:t>11</a:t>
+            </a:fld>
+            <a:endParaRPr lang="ru-RU"/>
+          </a:p>
+        </p:txBody>
+      </p:sp>
+      <p:pic>
+        <p:nvPicPr>
+          <p:cNvPr id="6" name="Рисунок 5">
+            <a:extLst>
+              <a:ext uri="{FF2B5EF4-FFF2-40B4-BE49-F238E27FC236}">
+                <a16:creationId xmlns:a16="http://schemas.microsoft.com/office/drawing/2014/main" id="{B3710F47-DC61-5BDC-ECA9-72CC9C889ADE}"/>
+              </a:ext>
+            </a:extLst>
+          </p:cNvPr>
+          <p:cNvPicPr>
+            <a:picLocks noChangeAspect="1"/>
+          </p:cNvPicPr>
+          <p:nvPr/>
+        </p:nvPicPr>
+        <p:blipFill>
+          <a:blip r:embed="rId2">
+            <a:extLst>
+              <a:ext uri="{28A0092B-C50C-407E-A947-70E740481C1C}">
+                <a14:useLocalDpi xmlns:a14="http://schemas.microsoft.com/office/drawing/2010/main" val="0"/>
+              </a:ext>
+            </a:extLst>
+          </a:blip>
+          <a:stretch>
+            <a:fillRect/>
+          </a:stretch>
+        </p:blipFill>
+        <p:spPr>
+          <a:xfrm>
+            <a:off x="566058" y="989012"/>
+            <a:ext cx="4383314" cy="4698093"/>
+          </a:xfrm>
+          <a:prstGeom prst="rect">
+            <a:avLst/>
+          </a:prstGeom>
+        </p:spPr>
+      </p:pic>
+    </p:spTree>
+    <p:extLst>
+      <p:ext uri="{BB962C8B-B14F-4D97-AF65-F5344CB8AC3E}">
+        <p14:creationId xmlns:p14="http://schemas.microsoft.com/office/powerpoint/2010/main" val="4140203428"/>
+      </p:ext>
+    </p:extLst>
+  </p:cSld>
+  <p:clrMapOvr>
+    <a:masterClrMapping/>
+  </p:clrMapOvr>
+</p:sld>
+</file>
+
+<file path=ppt/slides/slide12.xml><?xml version="1.0" encoding="utf-8"?>
+<p:sld xmlns:a="http://schemas.openxmlformats.org/drawingml/2006/main" xmlns:r="http://schemas.openxmlformats.org/officeDocument/2006/relationships" xmlns:p="http://schemas.openxmlformats.org/presentationml/2006/main">
+  <p:cSld>
+    <p:spTree>
+      <p:nvGrpSpPr>
+        <p:cNvPr id="1" name=""/>
+        <p:cNvGrpSpPr/>
+        <p:nvPr/>
+      </p:nvGrpSpPr>
+      <p:grpSpPr>
+        <a:xfrm>
+          <a:off x="0" y="0"/>
+          <a:ext cx="0" cy="0"/>
+          <a:chOff x="0" y="0"/>
+          <a:chExt cx="0" cy="0"/>
+        </a:xfrm>
+      </p:grpSpPr>
+      <p:sp>
+        <p:nvSpPr>
+          <p:cNvPr id="2" name="Заголовок 1">
+            <a:extLst>
+              <a:ext uri="{FF2B5EF4-FFF2-40B4-BE49-F238E27FC236}">
+                <a16:creationId xmlns:a16="http://schemas.microsoft.com/office/drawing/2014/main" id="{F46428F3-7507-69D5-ADF6-5C1267E63071}"/>
+              </a:ext>
+            </a:extLst>
+          </p:cNvPr>
+          <p:cNvSpPr>
+            <a:spLocks noGrp="1"/>
+          </p:cNvSpPr>
+          <p:nvPr>
+            <p:ph type="title"/>
+          </p:nvPr>
+        </p:nvSpPr>
+        <p:spPr>
+          <a:xfrm>
+            <a:off x="839788" y="457200"/>
+            <a:ext cx="10426627" cy="531812"/>
+          </a:xfrm>
+        </p:spPr>
+        <p:txBody>
+          <a:bodyPr/>
+          <a:lstStyle/>
+          <a:p>
+            <a:r>
+              <a:rPr lang="ru-RU" dirty="0"/>
+              <a:t>Интеллектуальная собственность </a:t>
+            </a:r>
+            <a:r>
+              <a:rPr lang="en-US" dirty="0"/>
+              <a:t>– </a:t>
+            </a:r>
+            <a:r>
+              <a:rPr lang="ru-RU" dirty="0"/>
+              <a:t>проблема авторства</a:t>
+            </a:r>
+          </a:p>
+        </p:txBody>
+      </p:sp>
+      <p:sp>
+        <p:nvSpPr>
+          <p:cNvPr id="5" name="Номер слайда 4">
+            <a:extLst>
+              <a:ext uri="{FF2B5EF4-FFF2-40B4-BE49-F238E27FC236}">
+                <a16:creationId xmlns:a16="http://schemas.microsoft.com/office/drawing/2014/main" id="{B01FBAAB-357D-D3A5-1B7E-534B5F525DBD}"/>
+              </a:ext>
+            </a:extLst>
+          </p:cNvPr>
+          <p:cNvSpPr>
+            <a:spLocks noGrp="1"/>
+          </p:cNvSpPr>
+          <p:nvPr>
+            <p:ph type="sldNum" sz="quarter" idx="12"/>
+          </p:nvPr>
+        </p:nvSpPr>
+        <p:spPr/>
+        <p:txBody>
+          <a:bodyPr/>
+          <a:lstStyle/>
+          <a:p>
+            <a:fld id="{DD52A6CB-90DA-4351-BF49-99661FABD7B0}" type="slidenum">
+              <a:rPr lang="ru-RU" smtClean="0"/>
+              <a:t>12</a:t>
+            </a:fld>
+            <a:endParaRPr lang="ru-RU"/>
+          </a:p>
+        </p:txBody>
+      </p:sp>
+      <p:sp>
+        <p:nvSpPr>
+          <p:cNvPr id="7" name="Текст 6">
+            <a:extLst>
+              <a:ext uri="{FF2B5EF4-FFF2-40B4-BE49-F238E27FC236}">
+                <a16:creationId xmlns:a16="http://schemas.microsoft.com/office/drawing/2014/main" id="{F6D742FA-C734-0943-2817-3B455F149F24}"/>
+              </a:ext>
+            </a:extLst>
+          </p:cNvPr>
+          <p:cNvSpPr>
+            <a:spLocks noGrp="1"/>
+          </p:cNvSpPr>
+          <p:nvPr>
+            <p:ph type="body" sz="half" idx="2"/>
+          </p:nvPr>
+        </p:nvSpPr>
+        <p:spPr>
+          <a:xfrm>
+            <a:off x="839788" y="989012"/>
+            <a:ext cx="10321698" cy="4879976"/>
+          </a:xfrm>
+        </p:spPr>
+        <p:txBody>
+          <a:bodyPr>
+            <a:noAutofit/>
+          </a:bodyPr>
+          <a:lstStyle/>
+          <a:p>
+            <a:r>
+              <a:rPr lang="ru-RU" sz="2400" dirty="0">
+                <a:effectLst/>
+                <a:latin typeface="Times New Roman" panose="02020603050405020304" pitchFamily="18" charset="0"/>
+                <a:cs typeface="Times New Roman" panose="02020603050405020304" pitchFamily="18" charset="0"/>
+              </a:rPr>
+              <a:t>Другим важным аспектом философского анализа интеллектуальной собственности является вопрос об авторстве. Кого следует считать владельцем конкретного объекта интеллектуальной собственности – человека, который его создал, человека, который финансировал его создание, или, возможно, даже более широкое сообщество, которое извлекает из этого выгоду? Этот вопрос поднимает вопросы справедливости, беспристрастности и социальной ответственности. Кроме того, существует также проблема культурного присвоения. Когда кто-то заимствует идеи или контент из другой культуры без надлежащего признания или компенсации, он может увековечивать системное неравенство и эксплуатацию.</a:t>
+            </a:r>
+            <a:endParaRPr lang="ru-RU" sz="2400" dirty="0">
+              <a:latin typeface="Times New Roman" panose="02020603050405020304" pitchFamily="18" charset="0"/>
+              <a:cs typeface="Times New Roman" panose="02020603050405020304" pitchFamily="18" charset="0"/>
+            </a:endParaRPr>
+          </a:p>
+        </p:txBody>
+      </p:sp>
+    </p:spTree>
+    <p:extLst>
+      <p:ext uri="{BB962C8B-B14F-4D97-AF65-F5344CB8AC3E}">
+        <p14:creationId xmlns:p14="http://schemas.microsoft.com/office/powerpoint/2010/main" val="513340501"/>
+      </p:ext>
+    </p:extLst>
+  </p:cSld>
+  <p:clrMapOvr>
+    <a:masterClrMapping/>
+  </p:clrMapOvr>
+</p:sld>
+</file>
+
+<file path=ppt/slides/slide13.xml><?xml version="1.0" encoding="utf-8"?>
+<p:sld xmlns:a="http://schemas.openxmlformats.org/drawingml/2006/main" xmlns:r="http://schemas.openxmlformats.org/officeDocument/2006/relationships" xmlns:p="http://schemas.openxmlformats.org/presentationml/2006/main">
+  <p:cSld>
+    <p:spTree>
+      <p:nvGrpSpPr>
+        <p:cNvPr id="1" name=""/>
+        <p:cNvGrpSpPr/>
+        <p:nvPr/>
+      </p:nvGrpSpPr>
+      <p:grpSpPr>
+        <a:xfrm>
+          <a:off x="0" y="0"/>
+          <a:ext cx="0" cy="0"/>
+          <a:chOff x="0" y="0"/>
+          <a:chExt cx="0" cy="0"/>
+        </a:xfrm>
+      </p:grpSpPr>
+      <p:sp>
+        <p:nvSpPr>
+          <p:cNvPr id="2" name="Заголовок 1">
+            <a:extLst>
+              <a:ext uri="{FF2B5EF4-FFF2-40B4-BE49-F238E27FC236}">
+                <a16:creationId xmlns:a16="http://schemas.microsoft.com/office/drawing/2014/main" id="{CB7CDD7E-E1F1-F205-EB73-5EC1B83642EB}"/>
+              </a:ext>
+            </a:extLst>
+          </p:cNvPr>
+          <p:cNvSpPr>
+            <a:spLocks noGrp="1"/>
+          </p:cNvSpPr>
+          <p:nvPr>
+            <p:ph type="title"/>
+          </p:nvPr>
+        </p:nvSpPr>
+        <p:spPr/>
+        <p:txBody>
+          <a:bodyPr/>
+          <a:lstStyle/>
+          <a:p>
+            <a:r>
+              <a:rPr lang="ru-RU" dirty="0">
+                <a:latin typeface="Times New Roman" panose="02020603050405020304" pitchFamily="18" charset="0"/>
+                <a:cs typeface="Times New Roman" panose="02020603050405020304" pitchFamily="18" charset="0"/>
+              </a:rPr>
+              <a:t>Выводы</a:t>
+            </a:r>
+          </a:p>
+        </p:txBody>
+      </p:sp>
+      <p:sp>
+        <p:nvSpPr>
+          <p:cNvPr id="4" name="Номер слайда 3">
+            <a:extLst>
+              <a:ext uri="{FF2B5EF4-FFF2-40B4-BE49-F238E27FC236}">
+                <a16:creationId xmlns:a16="http://schemas.microsoft.com/office/drawing/2014/main" id="{CE52B047-EF3A-1656-1980-42A1D1F09BBE}"/>
+              </a:ext>
+            </a:extLst>
+          </p:cNvPr>
+          <p:cNvSpPr>
+            <a:spLocks noGrp="1"/>
+          </p:cNvSpPr>
+          <p:nvPr>
+            <p:ph type="sldNum" sz="quarter" idx="12"/>
+          </p:nvPr>
+        </p:nvSpPr>
+        <p:spPr/>
+        <p:txBody>
+          <a:bodyPr/>
+          <a:lstStyle/>
+          <a:p>
+            <a:fld id="{DD52A6CB-90DA-4351-BF49-99661FABD7B0}" type="slidenum">
+              <a:rPr lang="ru-RU" sz="2000" smtClean="0"/>
+              <a:t>13</a:t>
+            </a:fld>
+            <a:endParaRPr lang="ru-RU" sz="2000" dirty="0"/>
+          </a:p>
+        </p:txBody>
+      </p:sp>
+      <p:sp>
+        <p:nvSpPr>
+          <p:cNvPr id="6" name="Объект 5">
+            <a:extLst>
+              <a:ext uri="{FF2B5EF4-FFF2-40B4-BE49-F238E27FC236}">
+                <a16:creationId xmlns:a16="http://schemas.microsoft.com/office/drawing/2014/main" id="{7D7FC26D-3262-C6E2-8B98-245C7C2D378A}"/>
+              </a:ext>
+            </a:extLst>
+          </p:cNvPr>
+          <p:cNvSpPr>
+            <a:spLocks noGrp="1"/>
+          </p:cNvSpPr>
+          <p:nvPr>
+            <p:ph idx="1"/>
+          </p:nvPr>
+        </p:nvSpPr>
+        <p:spPr>
+          <a:xfrm>
+            <a:off x="838200" y="1447800"/>
+            <a:ext cx="10515600" cy="4729163"/>
+          </a:xfrm>
+        </p:spPr>
+        <p:txBody>
+          <a:bodyPr/>
+          <a:lstStyle/>
+          <a:p>
+            <a:r>
+              <a:rPr lang="ru-RU" dirty="0"/>
+              <a:t>Многие философы определяют собственность – как результат трудов и самовыражения </a:t>
+            </a:r>
+          </a:p>
+          <a:p>
+            <a:r>
+              <a:rPr lang="ru-RU" dirty="0"/>
+              <a:t>Интеллектуальную собственность можно вписать в существующее философское понятие собственности, классифицировав ее как духовную.</a:t>
+            </a:r>
+          </a:p>
+          <a:p>
+            <a:r>
+              <a:rPr lang="ru-RU" dirty="0"/>
+              <a:t>Проблема интеллектуальной собственности в корне состоит из проблемы авторства.</a:t>
+            </a:r>
+          </a:p>
+          <a:p>
+            <a:r>
+              <a:rPr lang="ru-RU" dirty="0"/>
+              <a:t>Информационные технологии дополнительно подчеркивают проблему авторства</a:t>
+            </a:r>
+          </a:p>
+          <a:p>
+            <a:endParaRPr lang="ru-RU" dirty="0"/>
+          </a:p>
+        </p:txBody>
+      </p:sp>
+    </p:spTree>
+    <p:extLst>
+      <p:ext uri="{BB962C8B-B14F-4D97-AF65-F5344CB8AC3E}">
+        <p14:creationId xmlns:p14="http://schemas.microsoft.com/office/powerpoint/2010/main" val="879443761"/>
+      </p:ext>
+    </p:extLst>
+  </p:cSld>
+  <p:clrMapOvr>
+    <a:masterClrMapping/>
+  </p:clrMapOvr>
+</p:sld>
+</file>
+
+<file path=ppt/slides/slide14.xml><?xml version="1.0" encoding="utf-8"?>
+<p:sld xmlns:a="http://schemas.openxmlformats.org/drawingml/2006/main" xmlns:r="http://schemas.openxmlformats.org/officeDocument/2006/relationships" xmlns:p="http://schemas.openxmlformats.org/presentationml/2006/main">
+  <p:cSld>
+    <p:spTree>
+      <p:nvGrpSpPr>
+        <p:cNvPr id="1" name=""/>
+        <p:cNvGrpSpPr/>
+        <p:nvPr/>
+      </p:nvGrpSpPr>
+      <p:grpSpPr>
+        <a:xfrm>
+          <a:off x="0" y="0"/>
+          <a:ext cx="0" cy="0"/>
+          <a:chOff x="0" y="0"/>
+          <a:chExt cx="0" cy="0"/>
+        </a:xfrm>
+      </p:grpSpPr>
+      <p:sp>
+        <p:nvSpPr>
+          <p:cNvPr id="2" name="Заголовок 1">
+            <a:extLst>
+              <a:ext uri="{FF2B5EF4-FFF2-40B4-BE49-F238E27FC236}">
                 <a16:creationId xmlns:a16="http://schemas.microsoft.com/office/drawing/2014/main" id="{6BFE0A30-4D38-85F2-D995-15FB88B9C96C}"/>
               </a:ext>
             </a:extLst>
@@ -5244,32 +5956,32 @@
         <p:spPr>
           <a:xfrm>
             <a:off x="839788" y="989012"/>
-            <a:ext cx="6215353" cy="4879976"/>
+            <a:ext cx="6923087" cy="4879976"/>
           </a:xfrm>
         </p:spPr>
         <p:txBody>
           <a:bodyPr>
-            <a:normAutofit lnSpcReduction="10000"/>
+            <a:noAutofit/>
           </a:bodyPr>
           <a:lstStyle/>
           <a:p>
             <a:pPr algn="just"/>
             <a:r>
-              <a:rPr lang="ru-RU" dirty="0">
+              <a:rPr lang="ru-RU" sz="1800" dirty="0">
                 <a:latin typeface="Times New Roman" panose="02020603050405020304" pitchFamily="18" charset="0"/>
                 <a:cs typeface="Times New Roman" panose="02020603050405020304" pitchFamily="18" charset="0"/>
               </a:rPr>
               <a:t>Гегель в труде «Философия права» определил связь между понятием собственности и понятием свободы</a:t>
             </a:r>
             <a:r>
-              <a:rPr lang="en-US" dirty="0">
+              <a:rPr lang="en-US" sz="1800" dirty="0">
                 <a:latin typeface="Times New Roman" panose="02020603050405020304" pitchFamily="18" charset="0"/>
                 <a:cs typeface="Times New Roman" panose="02020603050405020304" pitchFamily="18" charset="0"/>
               </a:rPr>
               <a:t>: </a:t>
             </a:r>
             <a:r>
-              <a:rPr lang="ru-RU" dirty="0">
+              <a:rPr lang="ru-RU" sz="1800" dirty="0">
                 <a:latin typeface="Times New Roman" panose="02020603050405020304" pitchFamily="18" charset="0"/>
                 <a:cs typeface="Times New Roman" panose="02020603050405020304" pitchFamily="18" charset="0"/>
               </a:rPr>
@@ -5279,7 +5991,7 @@
           <a:p>
             <a:pPr algn="just"/>
             <a:r>
-              <a:rPr lang="ru-RU" dirty="0">
+              <a:rPr lang="ru-RU" sz="1800" dirty="0">
                 <a:latin typeface="Times New Roman" panose="02020603050405020304" pitchFamily="18" charset="0"/>
                 <a:cs typeface="Times New Roman" panose="02020603050405020304" pitchFamily="18" charset="0"/>
               </a:rPr>
@@ -5289,7 +6001,7 @@
           <a:p>
             <a:pPr algn="just"/>
             <a:r>
-              <a:rPr lang="ru-RU" dirty="0">
+              <a:rPr lang="ru-RU" sz="1800" dirty="0">
                 <a:latin typeface="Times New Roman" panose="02020603050405020304" pitchFamily="18" charset="0"/>
                 <a:cs typeface="Times New Roman" panose="02020603050405020304" pitchFamily="18" charset="0"/>
               </a:rPr>
@@ -5299,14 +6011,14 @@
           <a:p>
             <a:pPr algn="just"/>
             <a:r>
-              <a:rPr lang="ru-RU" dirty="0">
+              <a:rPr lang="ru-RU" sz="1800" dirty="0">
                 <a:latin typeface="Times New Roman" panose="02020603050405020304" pitchFamily="18" charset="0"/>
                 <a:cs typeface="Times New Roman" panose="02020603050405020304" pitchFamily="18" charset="0"/>
               </a:rPr>
               <a:t>Основу учения о собственности у Гегеля составляют отношения воли к вещам, формирующиеся по принципу триады</a:t>
             </a:r>
             <a:r>
-              <a:rPr lang="en-US" dirty="0">
+              <a:rPr lang="en-US" sz="1800" dirty="0">
                 <a:latin typeface="Times New Roman" panose="02020603050405020304" pitchFamily="18" charset="0"/>
                 <a:cs typeface="Times New Roman" panose="02020603050405020304" pitchFamily="18" charset="0"/>
               </a:rPr>
@@ -5316,14 +6028,14 @@
           <a:p>
             <a:pPr algn="just"/>
             <a:r>
-              <a:rPr lang="ru-RU" dirty="0">
+              <a:rPr lang="ru-RU" sz="1800" dirty="0">
                 <a:latin typeface="Times New Roman" panose="02020603050405020304" pitchFamily="18" charset="0"/>
                 <a:cs typeface="Times New Roman" panose="02020603050405020304" pitchFamily="18" charset="0"/>
               </a:rPr>
               <a:t>По Гегелю, собственность есть</a:t>
             </a:r>
             <a:r>
-              <a:rPr lang="en-US" dirty="0">
+              <a:rPr lang="en-US" sz="1800" dirty="0">
                 <a:latin typeface="Times New Roman" panose="02020603050405020304" pitchFamily="18" charset="0"/>
                 <a:cs typeface="Times New Roman" panose="02020603050405020304" pitchFamily="18" charset="0"/>
               </a:rPr>
@@ -5336,14 +6048,14 @@
               <a:buAutoNum type="alphaLcParenR"/>
             </a:pPr>
             <a:r>
-              <a:rPr lang="ru-RU" sz="1600" dirty="0">
+              <a:rPr lang="ru-RU" sz="1800" dirty="0">
                 <a:latin typeface="Times New Roman" panose="02020603050405020304" pitchFamily="18" charset="0"/>
                 <a:cs typeface="Times New Roman" panose="02020603050405020304" pitchFamily="18" charset="0"/>
               </a:rPr>
               <a:t>Непосредственное вступление по владение, поскольку воля имеет свое наличное бытие в вещи как в чем-то позитивном</a:t>
             </a:r>
             <a:r>
-              <a:rPr lang="en-US" sz="1600" dirty="0">
+              <a:rPr lang="en-US" sz="1800" dirty="0">
                 <a:latin typeface="Times New Roman" panose="02020603050405020304" pitchFamily="18" charset="0"/>
                 <a:cs typeface="Times New Roman" panose="02020603050405020304" pitchFamily="18" charset="0"/>
               </a:rPr>
@@ -5356,7 +6068,7 @@
               <a:buAutoNum type="alphaLcParenR"/>
             </a:pPr>
             <a:r>
-              <a:rPr lang="ru-RU" sz="1600" dirty="0">
+              <a:rPr lang="ru-RU" sz="1800" dirty="0">
                 <a:latin typeface="Times New Roman" panose="02020603050405020304" pitchFamily="18" charset="0"/>
                 <a:cs typeface="Times New Roman" panose="02020603050405020304" pitchFamily="18" charset="0"/>
               </a:rPr>
@@ -5369,7 +6081,7 @@
               <a:buAutoNum type="alphaLcParenR"/>
             </a:pPr>
             <a:r>
-              <a:rPr lang="ru-RU" sz="1600" dirty="0">
+              <a:rPr lang="ru-RU" sz="1800" dirty="0">
                 <a:latin typeface="Times New Roman" panose="02020603050405020304" pitchFamily="18" charset="0"/>
                 <a:cs typeface="Times New Roman" panose="02020603050405020304" pitchFamily="18" charset="0"/>
               </a:rPr>
@@ -5429,8 +6141,8 @@
         </p:blipFill>
         <p:spPr>
           <a:xfrm>
-            <a:off x="7226770" y="1739900"/>
-            <a:ext cx="4686223" cy="2914650"/>
+            <a:off x="7762875" y="1654175"/>
+            <a:ext cx="4216793" cy="2622683"/>
           </a:xfrm>
           <a:prstGeom prst="rect">
             <a:avLst/>
@@ -5530,35 +6242,31 @@
           <a:p>
             <a:pPr algn="just"/>
             <a:r>
-              <a:rPr lang="ru-RU" sz="1600" dirty="0">
+              <a:rPr lang="ru-RU" sz="2000" dirty="0">
                 <a:latin typeface="Times New Roman" panose="02020603050405020304" pitchFamily="18" charset="0"/>
                 <a:cs typeface="Times New Roman" panose="02020603050405020304" pitchFamily="18" charset="0"/>
               </a:rPr>
               <a:t>Соловьев подходит к пониманию собственности с </a:t>
             </a:r>
             <a:r>
-              <a:rPr lang="ru-RU" sz="1600" dirty="0" err="1">
+              <a:rPr lang="ru-RU" sz="2000" dirty="0" err="1">
                 <a:latin typeface="Times New Roman" panose="02020603050405020304" pitchFamily="18" charset="0"/>
                 <a:cs typeface="Times New Roman" panose="02020603050405020304" pitchFamily="18" charset="0"/>
               </a:rPr>
               <a:t>персоналистских</a:t>
             </a:r>
             <a:r>
-              <a:rPr lang="ru-RU" sz="1600" dirty="0">
+              <a:rPr lang="ru-RU" sz="2000" dirty="0">
                 <a:latin typeface="Times New Roman" panose="02020603050405020304" pitchFamily="18" charset="0"/>
                 <a:cs typeface="Times New Roman" panose="02020603050405020304" pitchFamily="18" charset="0"/>
               </a:rPr>
               <a:t> позиций, основания собственности заключается в сущности человеческой личности.</a:t>
             </a:r>
-            <a:endParaRPr lang="ru-RU" dirty="0">
-              <a:latin typeface="Times New Roman" panose="02020603050405020304" pitchFamily="18" charset="0"/>
-              <a:cs typeface="Times New Roman" panose="02020603050405020304" pitchFamily="18" charset="0"/>
-            </a:endParaRPr>
           </a:p>
           <a:p>
             <a:pPr algn="just"/>
             <a:r>
-              <a:rPr lang="ru-RU" sz="1600" dirty="0">
+              <a:rPr lang="ru-RU" sz="2000" dirty="0">
                 <a:latin typeface="Times New Roman" panose="02020603050405020304" pitchFamily="18" charset="0"/>
                 <a:cs typeface="Times New Roman" panose="02020603050405020304" pitchFamily="18" charset="0"/>
               </a:rPr>
@@ -5568,21 +6276,21 @@
           <a:p>
             <a:pPr algn="just"/>
             <a:r>
-              <a:rPr lang="ru-RU" dirty="0">
+              <a:rPr lang="ru-RU" sz="2000" dirty="0">
                 <a:latin typeface="Times New Roman" panose="02020603050405020304" pitchFamily="18" charset="0"/>
                 <a:cs typeface="Times New Roman" panose="02020603050405020304" pitchFamily="18" charset="0"/>
               </a:rPr>
               <a:t>В понимании </a:t>
             </a:r>
             <a:r>
-              <a:rPr lang="ru-RU" dirty="0" err="1">
+              <a:rPr lang="ru-RU" sz="2000" dirty="0" err="1">
                 <a:latin typeface="Times New Roman" panose="02020603050405020304" pitchFamily="18" charset="0"/>
                 <a:cs typeface="Times New Roman" panose="02020603050405020304" pitchFamily="18" charset="0"/>
               </a:rPr>
               <a:t>Соловеьва</a:t>
             </a:r>
             <a:r>
-              <a:rPr lang="ru-RU" dirty="0">
+              <a:rPr lang="ru-RU" sz="2000" dirty="0">
                 <a:latin typeface="Times New Roman" panose="02020603050405020304" pitchFamily="18" charset="0"/>
                 <a:cs typeface="Times New Roman" panose="02020603050405020304" pitchFamily="18" charset="0"/>
               </a:rPr>
@@ -5591,7 +6299,7 @@
           </a:p>
           <a:p>
             <a:pPr algn="just"/>
-            <a:endParaRPr lang="ru-RU" dirty="0">
+            <a:endParaRPr lang="ru-RU" sz="2000" dirty="0">
               <a:latin typeface="Times New Roman" panose="02020603050405020304" pitchFamily="18" charset="0"/>
               <a:cs typeface="Times New Roman" panose="02020603050405020304" pitchFamily="18" charset="0"/>
             </a:endParaRPr>
@@ -5655,7 +6363,7 @@
         </p:blipFill>
         <p:spPr>
           <a:xfrm>
-            <a:off x="6095999" y="3583817"/>
+            <a:off x="7229474" y="1459742"/>
             <a:ext cx="4657725" cy="2974290"/>
           </a:xfrm>
           <a:prstGeom prst="rect">
@@ -5750,13 +6458,13 @@
         </p:spPr>
         <p:txBody>
           <a:bodyPr>
-            <a:normAutofit/>
+            <a:noAutofit/>
           </a:bodyPr>
           <a:lstStyle/>
           <a:p>
             <a:pPr algn="just"/>
             <a:r>
-              <a:rPr lang="ru-RU" dirty="0">
+              <a:rPr lang="ru-RU" sz="1800" dirty="0">
                 <a:latin typeface="Times New Roman" panose="02020603050405020304" pitchFamily="18" charset="0"/>
                 <a:cs typeface="Times New Roman" panose="02020603050405020304" pitchFamily="18" charset="0"/>
               </a:rPr>
@@ -5766,21 +6474,21 @@
           <a:p>
             <a:pPr algn="just"/>
             <a:r>
-              <a:rPr lang="ru-RU" dirty="0">
+              <a:rPr lang="ru-RU" sz="1800" dirty="0">
                 <a:latin typeface="Times New Roman" panose="02020603050405020304" pitchFamily="18" charset="0"/>
                 <a:cs typeface="Times New Roman" panose="02020603050405020304" pitchFamily="18" charset="0"/>
               </a:rPr>
               <a:t>Кроме того, Франк, раскрывая взаимоотношения качественной и количественной сторон собственности, уделяет внимание ее государственно-правовому аспекту. Так, будучи неограниченной по своему качественному содержанию, т.е. возможности полного и свободного владения, частная собственность не безграничная в количественном отношении. Последнее «ограничено интересами общественного целого, задачи наиболее плодотворного сотрудничества</a:t>
             </a:r>
             <a:r>
-              <a:rPr lang="en-US" dirty="0">
+              <a:rPr lang="en-US" sz="1800" dirty="0">
                 <a:latin typeface="Times New Roman" panose="02020603050405020304" pitchFamily="18" charset="0"/>
                 <a:cs typeface="Times New Roman" panose="02020603050405020304" pitchFamily="18" charset="0"/>
               </a:rPr>
               <a:t>;</a:t>
             </a:r>
             <a:r>
-              <a:rPr lang="ru-RU" dirty="0">
+              <a:rPr lang="ru-RU" sz="1800" dirty="0">
                 <a:latin typeface="Times New Roman" panose="02020603050405020304" pitchFamily="18" charset="0"/>
                 <a:cs typeface="Times New Roman" panose="02020603050405020304" pitchFamily="18" charset="0"/>
               </a:rPr>
@@ -5941,27 +6649,27 @@
         </p:spPr>
         <p:txBody>
           <a:bodyPr>
-            <a:normAutofit/>
+            <a:noAutofit/>
           </a:bodyPr>
           <a:lstStyle/>
           <a:p>
             <a:pPr algn="just"/>
             <a:r>
-              <a:rPr lang="ru-RU" sz="2000" dirty="0">
+              <a:rPr lang="ru-RU" sz="2200" dirty="0">
                 <a:latin typeface="Times New Roman" panose="02020603050405020304" pitchFamily="18" charset="0"/>
                 <a:cs typeface="Times New Roman" panose="02020603050405020304" pitchFamily="18" charset="0"/>
               </a:rPr>
               <a:t>Иван Александрович Ильин выступал защитником частной собственности</a:t>
             </a:r>
             <a:r>
-              <a:rPr lang="en-US" sz="2000" dirty="0">
+              <a:rPr lang="en-US" sz="2200" dirty="0">
                 <a:latin typeface="Times New Roman" panose="02020603050405020304" pitchFamily="18" charset="0"/>
                 <a:cs typeface="Times New Roman" panose="02020603050405020304" pitchFamily="18" charset="0"/>
               </a:rPr>
               <a:t>: </a:t>
             </a:r>
             <a:r>
-              <a:rPr lang="ru-RU" sz="2000" dirty="0">
+              <a:rPr lang="ru-RU" sz="2200" dirty="0">
                 <a:latin typeface="Times New Roman" panose="02020603050405020304" pitchFamily="18" charset="0"/>
                 <a:cs typeface="Times New Roman" panose="02020603050405020304" pitchFamily="18" charset="0"/>
               </a:rPr>
@@ -6122,27 +6830,27 @@
         </p:spPr>
         <p:txBody>
           <a:bodyPr>
-            <a:normAutofit/>
+            <a:noAutofit/>
           </a:bodyPr>
           <a:lstStyle/>
           <a:p>
             <a:pPr algn="just"/>
             <a:r>
-              <a:rPr lang="ru-RU" dirty="0">
+              <a:rPr lang="ru-RU" sz="2400" dirty="0">
                 <a:latin typeface="Times New Roman" panose="02020603050405020304" pitchFamily="18" charset="0"/>
                 <a:cs typeface="Times New Roman" panose="02020603050405020304" pitchFamily="18" charset="0"/>
               </a:rPr>
               <a:t>Сергей Николаевич Булгаков – родоначальник философии хозяйства, проблема собственности проходит трансформацию от социально – экономического ее понимания до этического и религиозного. Так, в работе «Христианский социализм» он связывает возможность осуществления нравственных отношений через переосмысленное содержание собственности</a:t>
             </a:r>
             <a:r>
-              <a:rPr lang="en-US" dirty="0">
+              <a:rPr lang="en-US" sz="2400" dirty="0">
                 <a:latin typeface="Times New Roman" panose="02020603050405020304" pitchFamily="18" charset="0"/>
                 <a:cs typeface="Times New Roman" panose="02020603050405020304" pitchFamily="18" charset="0"/>
               </a:rPr>
               <a:t>: </a:t>
             </a:r>
             <a:r>
-              <a:rPr lang="ru-RU" dirty="0">
+              <a:rPr lang="ru-RU" sz="2400" dirty="0">
                 <a:latin typeface="Times New Roman" panose="02020603050405020304" pitchFamily="18" charset="0"/>
                 <a:cs typeface="Times New Roman" panose="02020603050405020304" pitchFamily="18" charset="0"/>
               </a:rPr>
@@ -6180,6 +6888,42 @@
           </a:p>
         </p:txBody>
       </p:sp>
+      <p:pic>
+        <p:nvPicPr>
+          <p:cNvPr id="6" name="Рисунок 5">
+            <a:extLst>
+              <a:ext uri="{FF2B5EF4-FFF2-40B4-BE49-F238E27FC236}">
+                <a16:creationId xmlns:a16="http://schemas.microsoft.com/office/drawing/2014/main" id="{6458C991-69DF-9553-BF56-2AE014575FCA}"/>
+              </a:ext>
+            </a:extLst>
+          </p:cNvPr>
+          <p:cNvPicPr>
+            <a:picLocks noChangeAspect="1"/>
+          </p:cNvPicPr>
+          <p:nvPr/>
+        </p:nvPicPr>
+        <p:blipFill>
+          <a:blip r:embed="rId2">
+            <a:extLst>
+              <a:ext uri="{28A0092B-C50C-407E-A947-70E740481C1C}">
+                <a14:useLocalDpi xmlns:a14="http://schemas.microsoft.com/office/drawing/2010/main" val="0"/>
+              </a:ext>
+            </a:extLst>
+          </a:blip>
+          <a:stretch>
+            <a:fillRect/>
+          </a:stretch>
+        </p:blipFill>
+        <p:spPr>
+          <a:xfrm>
+            <a:off x="7380760" y="1801944"/>
+            <a:ext cx="4158880" cy="3449506"/>
+          </a:xfrm>
+          <a:prstGeom prst="rect">
+            <a:avLst/>
+          </a:prstGeom>
+        </p:spPr>
+      </p:pic>
     </p:spTree>
     <p:extLst>
       <p:ext uri="{BB962C8B-B14F-4D97-AF65-F5344CB8AC3E}">
@@ -6215,7 +6959,7 @@
           <p:cNvPr id="2" name="Заголовок 1">
             <a:extLst>
               <a:ext uri="{FF2B5EF4-FFF2-40B4-BE49-F238E27FC236}">
-                <a16:creationId xmlns:a16="http://schemas.microsoft.com/office/drawing/2014/main" id="{CB7CDD7E-E1F1-F205-EB73-5EC1B83642EB}"/>
+                <a16:creationId xmlns:a16="http://schemas.microsoft.com/office/drawing/2014/main" id="{F46428F3-7507-69D5-ADF6-5C1267E63071}"/>
               </a:ext>
             </a:extLst>
           </p:cNvPr>
@@ -6226,27 +6970,73 @@
             <p:ph type="title"/>
           </p:nvPr>
         </p:nvSpPr>
-        <p:spPr/>
+        <p:spPr>
+          <a:xfrm>
+            <a:off x="839788" y="457200"/>
+            <a:ext cx="10426627" cy="531812"/>
+          </a:xfrm>
+        </p:spPr>
         <p:txBody>
           <a:bodyPr/>
           <a:lstStyle/>
           <a:p>
             <a:r>
-              <a:rPr lang="ru-RU" dirty="0">
+              <a:rPr lang="ru-RU" dirty="0"/>
+              <a:t>Интеллектуальная собственность Платона</a:t>
+            </a:r>
+          </a:p>
+        </p:txBody>
+      </p:sp>
+      <p:sp>
+        <p:nvSpPr>
+          <p:cNvPr id="4" name="Текст 3">
+            <a:extLst>
+              <a:ext uri="{FF2B5EF4-FFF2-40B4-BE49-F238E27FC236}">
+                <a16:creationId xmlns:a16="http://schemas.microsoft.com/office/drawing/2014/main" id="{EC0A738D-C4CB-ED0F-23C9-E7E9771516E2}"/>
+              </a:ext>
+            </a:extLst>
+          </p:cNvPr>
+          <p:cNvSpPr>
+            <a:spLocks noGrp="1"/>
+          </p:cNvSpPr>
+          <p:nvPr>
+            <p:ph type="body" sz="half" idx="2"/>
+          </p:nvPr>
+        </p:nvSpPr>
+        <p:spPr>
+          <a:xfrm>
+            <a:off x="839789" y="989012"/>
+            <a:ext cx="4356325" cy="4879976"/>
+          </a:xfrm>
+        </p:spPr>
+        <p:txBody>
+          <a:bodyPr>
+            <a:normAutofit fontScale="92500" lnSpcReduction="10000"/>
+          </a:bodyPr>
+          <a:lstStyle/>
+          <a:p>
+            <a:pPr algn="just"/>
+            <a:r>
+              <a:rPr lang="ru-RU" sz="2400" dirty="0">
+                <a:effectLst/>
                 <a:latin typeface="Times New Roman" panose="02020603050405020304" pitchFamily="18" charset="0"/>
                 <a:cs typeface="Times New Roman" panose="02020603050405020304" pitchFamily="18" charset="0"/>
               </a:rPr>
-              <a:t>Выводы</a:t>
-            </a:r>
-          </a:p>
-        </p:txBody>
-      </p:sp>
-      <p:sp>
-        <p:nvSpPr>
-          <p:cNvPr id="4" name="Номер слайда 3">
-            <a:extLst>
-              <a:ext uri="{FF2B5EF4-FFF2-40B4-BE49-F238E27FC236}">
-                <a16:creationId xmlns:a16="http://schemas.microsoft.com/office/drawing/2014/main" id="{CE52B047-EF3A-1656-1980-42A1D1F09BBE}"/>
+              <a:t>Теория форм Платона: Платон верил, что существует царство абстрактных, вечных и совершенных форм или идей, которые существуют независимо от физических объектов и могут быть познаны с помощью разума. Эта идея повлияла на западную философию и может рассматриваться как предшественница современных концепций интеллектуальной собственности, которые часто опираются на понятие нематериальных активов, таких как патенты, авторские права и товарные знаки.</a:t>
+            </a:r>
+            <a:endParaRPr lang="ru-RU" sz="2400" dirty="0">
+              <a:latin typeface="Times New Roman" panose="02020603050405020304" pitchFamily="18" charset="0"/>
+              <a:cs typeface="Times New Roman" panose="02020603050405020304" pitchFamily="18" charset="0"/>
+            </a:endParaRPr>
+          </a:p>
+        </p:txBody>
+      </p:sp>
+      <p:sp>
+        <p:nvSpPr>
+          <p:cNvPr id="5" name="Номер слайда 4">
+            <a:extLst>
+              <a:ext uri="{FF2B5EF4-FFF2-40B4-BE49-F238E27FC236}">
+                <a16:creationId xmlns:a16="http://schemas.microsoft.com/office/drawing/2014/main" id="{B01FBAAB-357D-D3A5-1B7E-534B5F525DBD}"/>
               </a:ext>
             </a:extLst>
           </p:cNvPr>
@@ -6263,42 +7053,53 @@
           <a:lstStyle/>
           <a:p>
             <a:fld id="{DD52A6CB-90DA-4351-BF49-99661FABD7B0}" type="slidenum">
-              <a:rPr lang="ru-RU" sz="2000" smtClean="0"/>
+              <a:rPr lang="ru-RU" smtClean="0"/>
               <a:t>9</a:t>
             </a:fld>
-            <a:endParaRPr lang="ru-RU" sz="2000" dirty="0"/>
-          </a:p>
-        </p:txBody>
-      </p:sp>
-      <p:sp>
-        <p:nvSpPr>
-          <p:cNvPr id="6" name="Объект 5">
-            <a:extLst>
-              <a:ext uri="{FF2B5EF4-FFF2-40B4-BE49-F238E27FC236}">
-                <a16:creationId xmlns:a16="http://schemas.microsoft.com/office/drawing/2014/main" id="{7D7FC26D-3262-C6E2-8B98-245C7C2D378A}"/>
-              </a:ext>
-            </a:extLst>
-          </p:cNvPr>
-          <p:cNvSpPr>
-            <a:spLocks noGrp="1"/>
-          </p:cNvSpPr>
-          <p:nvPr>
-            <p:ph idx="1"/>
-          </p:nvPr>
-        </p:nvSpPr>
-        <p:spPr/>
-        <p:txBody>
-          <a:bodyPr/>
-          <a:lstStyle/>
-          <a:p>
             <a:endParaRPr lang="ru-RU"/>
           </a:p>
         </p:txBody>
       </p:sp>
+      <p:pic>
+        <p:nvPicPr>
+          <p:cNvPr id="9" name="Рисунок 8">
+            <a:extLst>
+              <a:ext uri="{FF2B5EF4-FFF2-40B4-BE49-F238E27FC236}">
+                <a16:creationId xmlns:a16="http://schemas.microsoft.com/office/drawing/2014/main" id="{113D9B1A-732C-A8CF-D03C-178A519F323F}"/>
+              </a:ext>
+            </a:extLst>
+          </p:cNvPr>
+          <p:cNvPicPr>
+            <a:picLocks noChangeAspect="1"/>
+          </p:cNvPicPr>
+          <p:nvPr/>
+        </p:nvPicPr>
+        <p:blipFill>
+          <a:blip r:embed="rId2">
+            <a:extLst>
+              <a:ext uri="{28A0092B-C50C-407E-A947-70E740481C1C}">
+                <a14:useLocalDpi xmlns:a14="http://schemas.microsoft.com/office/drawing/2010/main" val="0"/>
+              </a:ext>
+            </a:extLst>
+          </a:blip>
+          <a:stretch>
+            <a:fillRect/>
+          </a:stretch>
+        </p:blipFill>
+        <p:spPr>
+          <a:xfrm>
+            <a:off x="5609046" y="1553028"/>
+            <a:ext cx="6003108" cy="3751943"/>
+          </a:xfrm>
+          <a:prstGeom prst="rect">
+            <a:avLst/>
+          </a:prstGeom>
+        </p:spPr>
+      </p:pic>
     </p:spTree>
     <p:extLst>
       <p:ext uri="{BB962C8B-B14F-4D97-AF65-F5344CB8AC3E}">
-        <p14:creationId xmlns:p14="http://schemas.microsoft.com/office/powerpoint/2010/main" val="879443761"/>
+        <p14:creationId xmlns:p14="http://schemas.microsoft.com/office/powerpoint/2010/main" val="2912079271"/>
       </p:ext>
     </p:extLst>
   </p:cSld>

--- a/Философия/Выступление/Презентация Фейзуллин М8О-104А-23.pptx
+++ b/Философия/Выступление/Презентация Фейзуллин М8О-104А-23.pptx
@@ -210,7 +210,7 @@
           <a:p>
             <a:fld id="{8B82A444-7A35-48DA-B328-982FA082261C}" type="datetimeFigureOut">
               <a:rPr lang="ru-RU" smtClean="0"/>
-              <a:t>10.12.2023</a:t>
+              <a:t>11.01.2024</a:t>
             </a:fld>
             <a:endParaRPr lang="ru-RU"/>
           </a:p>
@@ -730,7 +730,7 @@
           <a:p>
             <a:fld id="{CE67568C-EEB0-4DC9-AE5A-BF4C8292B1DF}" type="datetime1">
               <a:rPr lang="ru-RU" smtClean="0"/>
-              <a:t>10.12.2023</a:t>
+              <a:t>11.01.2024</a:t>
             </a:fld>
             <a:endParaRPr lang="ru-RU"/>
           </a:p>
@@ -928,7 +928,7 @@
           <a:p>
             <a:fld id="{C4BCE22F-461D-4E3B-B90B-D4C17BCF6E04}" type="datetime1">
               <a:rPr lang="ru-RU" smtClean="0"/>
-              <a:t>10.12.2023</a:t>
+              <a:t>11.01.2024</a:t>
             </a:fld>
             <a:endParaRPr lang="ru-RU"/>
           </a:p>
@@ -1136,7 +1136,7 @@
           <a:p>
             <a:fld id="{028FC9C9-A8BF-46D2-98A4-CE15F9706EAE}" type="datetime1">
               <a:rPr lang="ru-RU" smtClean="0"/>
-              <a:t>10.12.2023</a:t>
+              <a:t>11.01.2024</a:t>
             </a:fld>
             <a:endParaRPr lang="ru-RU"/>
           </a:p>
@@ -1334,7 +1334,7 @@
           <a:p>
             <a:fld id="{770671C5-343A-4A74-90BB-AB4D9057279E}" type="datetime1">
               <a:rPr lang="ru-RU" smtClean="0"/>
-              <a:t>10.12.2023</a:t>
+              <a:t>11.01.2024</a:t>
             </a:fld>
             <a:endParaRPr lang="ru-RU"/>
           </a:p>
@@ -1609,7 +1609,7 @@
           <a:p>
             <a:fld id="{28B5E58E-4B59-4D10-9A36-7ED0BF0785C6}" type="datetime1">
               <a:rPr lang="ru-RU" smtClean="0"/>
-              <a:t>10.12.2023</a:t>
+              <a:t>11.01.2024</a:t>
             </a:fld>
             <a:endParaRPr lang="ru-RU"/>
           </a:p>
@@ -1874,7 +1874,7 @@
           <a:p>
             <a:fld id="{DC25EC56-5D0F-4611-9C3E-3F31AA54334B}" type="datetime1">
               <a:rPr lang="ru-RU" smtClean="0"/>
-              <a:t>10.12.2023</a:t>
+              <a:t>11.01.2024</a:t>
             </a:fld>
             <a:endParaRPr lang="ru-RU"/>
           </a:p>
@@ -2286,7 +2286,7 @@
           <a:p>
             <a:fld id="{ED8BC0DC-C970-4224-9EFA-620AE9FAD989}" type="datetime1">
               <a:rPr lang="ru-RU" smtClean="0"/>
-              <a:t>10.12.2023</a:t>
+              <a:t>11.01.2024</a:t>
             </a:fld>
             <a:endParaRPr lang="ru-RU"/>
           </a:p>
@@ -2427,7 +2427,7 @@
           <a:p>
             <a:fld id="{6844A4C7-31A3-4CCF-A082-0BC587FAFA97}" type="datetime1">
               <a:rPr lang="ru-RU" smtClean="0"/>
-              <a:t>10.12.2023</a:t>
+              <a:t>11.01.2024</a:t>
             </a:fld>
             <a:endParaRPr lang="ru-RU"/>
           </a:p>
@@ -2540,7 +2540,7 @@
           <a:p>
             <a:fld id="{F2B5C3C2-8785-490F-A029-E7A1F5933CCC}" type="datetime1">
               <a:rPr lang="ru-RU" smtClean="0"/>
-              <a:t>10.12.2023</a:t>
+              <a:t>11.01.2024</a:t>
             </a:fld>
             <a:endParaRPr lang="ru-RU"/>
           </a:p>
@@ -2851,7 +2851,7 @@
           <a:p>
             <a:fld id="{DC305C70-E31D-40A7-AB55-3CC66D2EF180}" type="datetime1">
               <a:rPr lang="ru-RU" smtClean="0"/>
-              <a:t>10.12.2023</a:t>
+              <a:t>11.01.2024</a:t>
             </a:fld>
             <a:endParaRPr lang="ru-RU"/>
           </a:p>
@@ -3139,7 +3139,7 @@
           <a:p>
             <a:fld id="{36E32BBB-8024-4478-85B9-8FD1214F01FB}" type="datetime1">
               <a:rPr lang="ru-RU" smtClean="0"/>
-              <a:t>10.12.2023</a:t>
+              <a:t>11.01.2024</a:t>
             </a:fld>
             <a:endParaRPr lang="ru-RU"/>
           </a:p>
@@ -3380,7 +3380,7 @@
           <a:p>
             <a:fld id="{4AE75D13-07A0-4EE3-BCA2-6F181395B3CF}" type="datetime1">
               <a:rPr lang="ru-RU" smtClean="0"/>
-              <a:t>10.12.2023</a:t>
+              <a:t>11.01.2024</a:t>
             </a:fld>
             <a:endParaRPr lang="ru-RU"/>
           </a:p>
@@ -6163,7 +6163,7 @@
 </file>
 
 <file path=ppt/slides/slide5.xml><?xml version="1.0" encoding="utf-8"?>
-<p:sld xmlns:a="http://schemas.openxmlformats.org/drawingml/2006/main" xmlns:r="http://schemas.openxmlformats.org/officeDocument/2006/relationships" xmlns:p="http://schemas.openxmlformats.org/presentationml/2006/main">
+<p:sld xmlns:a="http://schemas.openxmlformats.org/drawingml/2006/main" xmlns:r="http://schemas.openxmlformats.org/officeDocument/2006/relationships" xmlns:p="http://schemas.openxmlformats.org/presentationml/2006/main" show="0">
   <p:cSld>
     <p:spTree>
       <p:nvGrpSpPr>
